--- a/campaign01/scenario04/map04.pptx
+++ b/campaign01/scenario04/map04.pptx
@@ -288,7 +288,7 @@
           <a:p>
             <a:fld id="{BA359263-44C4-1F46-AA09-225B8E353BF1}" type="datetimeFigureOut">
               <a:rPr kumimoji="1" lang="ja-JP" altLang="en-US" smtClean="0"/>
-              <a:t>19/12/31</a:t>
+              <a:t>20/01/01</a:t>
             </a:fld>
             <a:endParaRPr kumimoji="1" lang="ja-JP" altLang="en-US"/>
           </a:p>
@@ -490,7 +490,7 @@
           <a:p>
             <a:fld id="{BA359263-44C4-1F46-AA09-225B8E353BF1}" type="datetimeFigureOut">
               <a:rPr kumimoji="1" lang="ja-JP" altLang="en-US" smtClean="0"/>
-              <a:t>19/12/31</a:t>
+              <a:t>20/01/01</a:t>
             </a:fld>
             <a:endParaRPr kumimoji="1" lang="ja-JP" altLang="en-US"/>
           </a:p>
@@ -702,7 +702,7 @@
           <a:p>
             <a:fld id="{BA359263-44C4-1F46-AA09-225B8E353BF1}" type="datetimeFigureOut">
               <a:rPr kumimoji="1" lang="ja-JP" altLang="en-US" smtClean="0"/>
-              <a:t>19/12/31</a:t>
+              <a:t>20/01/01</a:t>
             </a:fld>
             <a:endParaRPr kumimoji="1" lang="ja-JP" altLang="en-US"/>
           </a:p>
@@ -904,7 +904,7 @@
           <a:p>
             <a:fld id="{BA359263-44C4-1F46-AA09-225B8E353BF1}" type="datetimeFigureOut">
               <a:rPr kumimoji="1" lang="ja-JP" altLang="en-US" smtClean="0"/>
-              <a:t>19/12/31</a:t>
+              <a:t>20/01/01</a:t>
             </a:fld>
             <a:endParaRPr kumimoji="1" lang="ja-JP" altLang="en-US"/>
           </a:p>
@@ -1150,7 +1150,7 @@
           <a:p>
             <a:fld id="{BA359263-44C4-1F46-AA09-225B8E353BF1}" type="datetimeFigureOut">
               <a:rPr kumimoji="1" lang="ja-JP" altLang="en-US" smtClean="0"/>
-              <a:t>19/12/31</a:t>
+              <a:t>20/01/01</a:t>
             </a:fld>
             <a:endParaRPr kumimoji="1" lang="ja-JP" altLang="en-US"/>
           </a:p>
@@ -1502,7 +1502,7 @@
           <a:p>
             <a:fld id="{BA359263-44C4-1F46-AA09-225B8E353BF1}" type="datetimeFigureOut">
               <a:rPr kumimoji="1" lang="ja-JP" altLang="en-US" smtClean="0"/>
-              <a:t>19/12/31</a:t>
+              <a:t>20/01/01</a:t>
             </a:fld>
             <a:endParaRPr kumimoji="1" lang="ja-JP" altLang="en-US"/>
           </a:p>
@@ -1988,7 +1988,7 @@
           <a:p>
             <a:fld id="{BA359263-44C4-1F46-AA09-225B8E353BF1}" type="datetimeFigureOut">
               <a:rPr kumimoji="1" lang="ja-JP" altLang="en-US" smtClean="0"/>
-              <a:t>19/12/31</a:t>
+              <a:t>20/01/01</a:t>
             </a:fld>
             <a:endParaRPr kumimoji="1" lang="ja-JP" altLang="en-US"/>
           </a:p>
@@ -2106,7 +2106,7 @@
           <a:p>
             <a:fld id="{BA359263-44C4-1F46-AA09-225B8E353BF1}" type="datetimeFigureOut">
               <a:rPr kumimoji="1" lang="ja-JP" altLang="en-US" smtClean="0"/>
-              <a:t>19/12/31</a:t>
+              <a:t>20/01/01</a:t>
             </a:fld>
             <a:endParaRPr kumimoji="1" lang="ja-JP" altLang="en-US"/>
           </a:p>
@@ -2201,7 +2201,7 @@
           <a:p>
             <a:fld id="{BA359263-44C4-1F46-AA09-225B8E353BF1}" type="datetimeFigureOut">
               <a:rPr kumimoji="1" lang="ja-JP" altLang="en-US" smtClean="0"/>
-              <a:t>19/12/31</a:t>
+              <a:t>20/01/01</a:t>
             </a:fld>
             <a:endParaRPr kumimoji="1" lang="ja-JP" altLang="en-US"/>
           </a:p>
@@ -2510,7 +2510,7 @@
           <a:p>
             <a:fld id="{BA359263-44C4-1F46-AA09-225B8E353BF1}" type="datetimeFigureOut">
               <a:rPr kumimoji="1" lang="ja-JP" altLang="en-US" smtClean="0"/>
-              <a:t>19/12/31</a:t>
+              <a:t>20/01/01</a:t>
             </a:fld>
             <a:endParaRPr kumimoji="1" lang="ja-JP" altLang="en-US"/>
           </a:p>
@@ -2763,7 +2763,7 @@
           <a:p>
             <a:fld id="{BA359263-44C4-1F46-AA09-225B8E353BF1}" type="datetimeFigureOut">
               <a:rPr kumimoji="1" lang="ja-JP" altLang="en-US" smtClean="0"/>
-              <a:t>19/12/31</a:t>
+              <a:t>20/01/01</a:t>
             </a:fld>
             <a:endParaRPr kumimoji="1" lang="ja-JP" altLang="en-US"/>
           </a:p>
@@ -3008,7 +3008,7 @@
           <a:p>
             <a:fld id="{BA359263-44C4-1F46-AA09-225B8E353BF1}" type="datetimeFigureOut">
               <a:rPr kumimoji="1" lang="ja-JP" altLang="en-US" smtClean="0"/>
-              <a:t>19/12/31</a:t>
+              <a:t>20/01/01</a:t>
             </a:fld>
             <a:endParaRPr kumimoji="1" lang="ja-JP" altLang="en-US"/>
           </a:p>
@@ -8609,6 +8609,67 @@
               </a:solidFill>
               <a:latin typeface="American Typewriter"/>
               <a:cs typeface="American Typewriter"/>
+            </a:endParaRPr>
+          </a:p>
+        </p:txBody>
+      </p:sp>
+      <p:sp>
+        <p:nvSpPr>
+          <p:cNvPr id="3" name="テキスト ボックス 2"/>
+          <p:cNvSpPr txBox="1"/>
+          <p:nvPr/>
+        </p:nvSpPr>
+        <p:spPr>
+          <a:xfrm>
+            <a:off x="209550" y="266443"/>
+            <a:ext cx="954107" cy="461665"/>
+          </a:xfrm>
+          <a:prstGeom prst="rect">
+            <a:avLst/>
+          </a:prstGeom>
+          <a:noFill/>
+        </p:spPr>
+        <p:txBody>
+          <a:bodyPr wrap="none" rtlCol="0">
+            <a:spAutoFit/>
+          </a:bodyPr>
+          <a:lstStyle/>
+          <a:p>
+            <a:r>
+              <a:rPr kumimoji="1" lang="ja-JP" altLang="en-US" sz="1200" b="1" dirty="0" smtClean="0">
+                <a:latin typeface="メイリオ"/>
+                <a:ea typeface="メイリオ"/>
+                <a:cs typeface="メイリオ"/>
+              </a:rPr>
+              <a:t>ナカーノ家</a:t>
+            </a:r>
+            <a:endParaRPr kumimoji="1" lang="en-US" altLang="ja-JP" sz="1200" b="1" dirty="0" smtClean="0">
+              <a:latin typeface="メイリオ"/>
+              <a:ea typeface="メイリオ"/>
+              <a:cs typeface="メイリオ"/>
+            </a:endParaRPr>
+          </a:p>
+          <a:p>
+            <a:r>
+              <a:rPr lang="ja-JP" altLang="ja-JP" sz="1200" b="1" dirty="0" smtClean="0">
+                <a:latin typeface="メイリオ"/>
+                <a:ea typeface="メイリオ"/>
+                <a:cs typeface="メイリオ"/>
+              </a:rPr>
+              <a:t>B</a:t>
+            </a:r>
+            <a:r>
+              <a:rPr lang="en-US" altLang="ja-JP" sz="1200" b="1" dirty="0" smtClean="0">
+                <a:latin typeface="メイリオ"/>
+                <a:ea typeface="メイリオ"/>
+                <a:cs typeface="メイリオ"/>
+              </a:rPr>
+              <a:t>1F</a:t>
+            </a:r>
+            <a:endParaRPr kumimoji="1" lang="ja-JP" altLang="en-US" sz="1200" b="1" dirty="0">
+              <a:latin typeface="メイリオ"/>
+              <a:ea typeface="メイリオ"/>
+              <a:cs typeface="メイリオ"/>
             </a:endParaRPr>
           </a:p>
         </p:txBody>
